--- a/ngupta22_kchavan_vveerara_final_project/ngupta22_kchavan_vveerara_presentation.pptx
+++ b/ngupta22_kchavan_vveerara_final_project/ngupta22_kchavan_vveerara_presentation.pptx
@@ -19982,8 +19982,8 @@
         </p:nvSpPr>
         <p:spPr>
           <a:xfrm>
-            <a:off x="566933" y="2185400"/>
-            <a:ext cx="11121900" cy="3968400"/>
+            <a:off x="566925" y="2185400"/>
+            <a:ext cx="11121900" cy="4401900"/>
           </a:xfrm>
           <a:prstGeom prst="rect">
             <a:avLst/>
@@ -20114,6 +20114,50 @@
             <a:r>
               <a:rPr lang="en-US"/>
               <a:t>Generative Adversarial Nets by Goodfellow et al. (2014)</a:t>
+            </a:r>
+            <a:endParaRPr/>
+          </a:p>
+          <a:p>
+            <a:pPr indent="-361950" lvl="0" marL="457200" rtl="0" algn="l">
+              <a:spcBef>
+                <a:spcPts val="0"/>
+              </a:spcBef>
+              <a:spcAft>
+                <a:spcPts val="0"/>
+              </a:spcAft>
+              <a:buSzPts val="2100"/>
+              <a:buChar char="•"/>
+            </a:pPr>
+            <a:r>
+              <a:rPr lang="en-US" u="sng">
+                <a:solidFill>
+                  <a:schemeClr val="hlink"/>
+                </a:solidFill>
+                <a:hlinkClick r:id="rId3"/>
+              </a:rPr>
+              <a:t>Streamlit</a:t>
+            </a:r>
+            <a:endParaRPr/>
+          </a:p>
+          <a:p>
+            <a:pPr indent="-361950" lvl="0" marL="457200" rtl="0" algn="l">
+              <a:spcBef>
+                <a:spcPts val="0"/>
+              </a:spcBef>
+              <a:spcAft>
+                <a:spcPts val="0"/>
+              </a:spcAft>
+              <a:buSzPts val="2100"/>
+              <a:buChar char="•"/>
+            </a:pPr>
+            <a:r>
+              <a:rPr lang="en-US" u="sng">
+                <a:solidFill>
+                  <a:schemeClr val="hlink"/>
+                </a:solidFill>
+                <a:hlinkClick r:id="rId4"/>
+              </a:rPr>
+              <a:t>Hugging Face GPT-2</a:t>
             </a:r>
             <a:endParaRPr/>
           </a:p>
@@ -20299,7 +20343,7 @@
             <a:tbl>
               <a:tblPr>
                 <a:noFill/>
-                <a:tableStyleId>{7AD41F52-2253-4944-83FF-AE6A940A769E}</a:tableStyleId>
+                <a:tableStyleId>{45814419-FA66-45B6-A5EA-B07085DB882E}</a:tableStyleId>
               </a:tblPr>
               <a:tblGrid>
                 <a:gridCol w="3429000"/>
